--- a/docs/songs/mighty to save.pptx
+++ b/docs/songs/mighty to save.pptx
@@ -5,11 +5,13 @@
     <p:sldMasterId id="2147483648" r:id="rId1"/>
   </p:sldMasterIdLst>
   <p:sldIdLst>
-    <p:sldId id="545" r:id="rId2"/>
-    <p:sldId id="546" r:id="rId3"/>
-    <p:sldId id="547" r:id="rId4"/>
-    <p:sldId id="548" r:id="rId5"/>
-    <p:sldId id="549" r:id="rId6"/>
+    <p:sldId id="1258" r:id="rId2"/>
+    <p:sldId id="1259" r:id="rId3"/>
+    <p:sldId id="1260" r:id="rId4"/>
+    <p:sldId id="1261" r:id="rId5"/>
+    <p:sldId id="1263" r:id="rId6"/>
+    <p:sldId id="1262" r:id="rId7"/>
+    <p:sldId id="1264" r:id="rId8"/>
   </p:sldIdLst>
   <p:sldSz cx="9144000" cy="6858000" type="screen4x3"/>
   <p:notesSz cx="6858000" cy="9144000"/>
@@ -309,7 +311,7 @@
             <a:fld id="{26EA1CF3-4A15-4CBF-9A5A-6A56C368BE71}" type="datetimeFigureOut">
               <a:rPr lang="en-GB" smtClean="0"/>
               <a:pPr/>
-              <a:t>03/10/2022</a:t>
+              <a:t>03/03/2025</a:t>
             </a:fld>
             <a:endParaRPr lang="en-GB"/>
           </a:p>
@@ -476,7 +478,7 @@
             <a:fld id="{26EA1CF3-4A15-4CBF-9A5A-6A56C368BE71}" type="datetimeFigureOut">
               <a:rPr lang="en-GB" smtClean="0"/>
               <a:pPr/>
-              <a:t>03/10/2022</a:t>
+              <a:t>03/03/2025</a:t>
             </a:fld>
             <a:endParaRPr lang="en-GB"/>
           </a:p>
@@ -653,7 +655,7 @@
             <a:fld id="{26EA1CF3-4A15-4CBF-9A5A-6A56C368BE71}" type="datetimeFigureOut">
               <a:rPr lang="en-GB" smtClean="0"/>
               <a:pPr/>
-              <a:t>03/10/2022</a:t>
+              <a:t>03/03/2025</a:t>
             </a:fld>
             <a:endParaRPr lang="en-GB"/>
           </a:p>
@@ -820,7 +822,7 @@
             <a:fld id="{26EA1CF3-4A15-4CBF-9A5A-6A56C368BE71}" type="datetimeFigureOut">
               <a:rPr lang="en-GB" smtClean="0"/>
               <a:pPr/>
-              <a:t>03/10/2022</a:t>
+              <a:t>03/03/2025</a:t>
             </a:fld>
             <a:endParaRPr lang="en-GB"/>
           </a:p>
@@ -1063,7 +1065,7 @@
             <a:fld id="{26EA1CF3-4A15-4CBF-9A5A-6A56C368BE71}" type="datetimeFigureOut">
               <a:rPr lang="en-GB" smtClean="0"/>
               <a:pPr/>
-              <a:t>03/10/2022</a:t>
+              <a:t>03/03/2025</a:t>
             </a:fld>
             <a:endParaRPr lang="en-GB"/>
           </a:p>
@@ -1348,7 +1350,7 @@
             <a:fld id="{26EA1CF3-4A15-4CBF-9A5A-6A56C368BE71}" type="datetimeFigureOut">
               <a:rPr lang="en-GB" smtClean="0"/>
               <a:pPr/>
-              <a:t>03/10/2022</a:t>
+              <a:t>03/03/2025</a:t>
             </a:fld>
             <a:endParaRPr lang="en-GB"/>
           </a:p>
@@ -1767,7 +1769,7 @@
             <a:fld id="{26EA1CF3-4A15-4CBF-9A5A-6A56C368BE71}" type="datetimeFigureOut">
               <a:rPr lang="en-GB" smtClean="0"/>
               <a:pPr/>
-              <a:t>03/10/2022</a:t>
+              <a:t>03/03/2025</a:t>
             </a:fld>
             <a:endParaRPr lang="en-GB"/>
           </a:p>
@@ -1882,7 +1884,7 @@
             <a:fld id="{26EA1CF3-4A15-4CBF-9A5A-6A56C368BE71}" type="datetimeFigureOut">
               <a:rPr lang="en-GB" smtClean="0"/>
               <a:pPr/>
-              <a:t>03/10/2022</a:t>
+              <a:t>03/03/2025</a:t>
             </a:fld>
             <a:endParaRPr lang="en-GB"/>
           </a:p>
@@ -1974,7 +1976,7 @@
             <a:fld id="{26EA1CF3-4A15-4CBF-9A5A-6A56C368BE71}" type="datetimeFigureOut">
               <a:rPr lang="en-GB" smtClean="0"/>
               <a:pPr/>
-              <a:t>03/10/2022</a:t>
+              <a:t>03/03/2025</a:t>
             </a:fld>
             <a:endParaRPr lang="en-GB"/>
           </a:p>
@@ -2248,7 +2250,7 @@
             <a:fld id="{26EA1CF3-4A15-4CBF-9A5A-6A56C368BE71}" type="datetimeFigureOut">
               <a:rPr lang="en-GB" smtClean="0"/>
               <a:pPr/>
-              <a:t>03/10/2022</a:t>
+              <a:t>03/03/2025</a:t>
             </a:fld>
             <a:endParaRPr lang="en-GB"/>
           </a:p>
@@ -2498,7 +2500,7 @@
             <a:fld id="{26EA1CF3-4A15-4CBF-9A5A-6A56C368BE71}" type="datetimeFigureOut">
               <a:rPr lang="en-GB" smtClean="0"/>
               <a:pPr/>
-              <a:t>03/10/2022</a:t>
+              <a:t>03/03/2025</a:t>
             </a:fld>
             <a:endParaRPr lang="en-GB"/>
           </a:p>
@@ -2711,7 +2713,7 @@
             <a:fld id="{26EA1CF3-4A15-4CBF-9A5A-6A56C368BE71}" type="datetimeFigureOut">
               <a:rPr lang="en-GB" smtClean="0"/>
               <a:pPr/>
-              <a:t>03/10/2022</a:t>
+              <a:t>03/03/2025</a:t>
             </a:fld>
             <a:endParaRPr lang="en-GB"/>
           </a:p>
@@ -3298,7 +3300,7 @@
         </p:nvSpPr>
         <p:spPr>
           <a:xfrm>
-            <a:off x="323528" y="188640"/>
+            <a:off x="251520" y="764704"/>
             <a:ext cx="8640960" cy="6480720"/>
           </a:xfrm>
         </p:spPr>
@@ -3309,7 +3311,7 @@
           <a:lstStyle/>
           <a:p>
             <a:r>
-              <a:rPr lang="en-GB" sz="4400" dirty="0" err="1">
+              <a:rPr lang="en-GB" sz="3600" dirty="0" err="1">
                 <a:solidFill>
                   <a:schemeClr val="bg1"/>
                 </a:solidFill>
@@ -3317,7 +3319,7 @@
               <a:t>Ev’ryone</a:t>
             </a:r>
             <a:r>
-              <a:rPr lang="en-GB" sz="4400" dirty="0">
+              <a:rPr lang="en-GB" sz="3600" dirty="0">
                 <a:solidFill>
                   <a:schemeClr val="bg1"/>
                 </a:solidFill>
@@ -3327,7 +3329,7 @@
           </a:p>
           <a:p>
             <a:r>
-              <a:rPr lang="en-GB" sz="4400" dirty="0">
+              <a:rPr lang="en-GB" sz="3600" dirty="0">
                 <a:solidFill>
                   <a:schemeClr val="bg1"/>
                 </a:solidFill>
@@ -3337,7 +3339,7 @@
           </a:p>
           <a:p>
             <a:r>
-              <a:rPr lang="en-GB" sz="4400" dirty="0">
+              <a:rPr lang="en-GB" sz="3600" dirty="0">
                 <a:solidFill>
                   <a:schemeClr val="bg1"/>
                 </a:solidFill>
@@ -3347,7 +3349,7 @@
           </a:p>
           <a:p>
             <a:r>
-              <a:rPr lang="en-GB" sz="4400" dirty="0" err="1">
+              <a:rPr lang="en-GB" sz="3600" dirty="0" err="1">
                 <a:solidFill>
                   <a:schemeClr val="bg1"/>
                 </a:solidFill>
@@ -3355,7 +3357,7 @@
               <a:t>Ev’ryone</a:t>
             </a:r>
             <a:r>
-              <a:rPr lang="en-GB" sz="4400" dirty="0">
+              <a:rPr lang="en-GB" sz="3600" dirty="0">
                 <a:solidFill>
                   <a:schemeClr val="bg1"/>
                 </a:solidFill>
@@ -3365,7 +3367,7 @@
           </a:p>
           <a:p>
             <a:r>
-              <a:rPr lang="en-GB" sz="4400" dirty="0">
+              <a:rPr lang="en-GB" sz="3600" dirty="0">
                 <a:solidFill>
                   <a:schemeClr val="bg1"/>
                 </a:solidFill>
@@ -3375,7 +3377,7 @@
           </a:p>
           <a:p>
             <a:r>
-              <a:rPr lang="en-GB" sz="4400" dirty="0">
+              <a:rPr lang="en-GB" sz="3600" dirty="0">
                 <a:solidFill>
                   <a:schemeClr val="bg1"/>
                 </a:solidFill>
@@ -3413,7 +3415,7 @@
                   <a:schemeClr val="bg1"/>
                 </a:solidFill>
               </a:rPr>
-              <a:t>1/4</a:t>
+              <a:t>1/6</a:t>
             </a:r>
           </a:p>
         </p:txBody>
@@ -3460,7 +3462,7 @@
         </p:nvSpPr>
         <p:spPr>
           <a:xfrm>
-            <a:off x="323528" y="188640"/>
+            <a:off x="203118" y="692696"/>
             <a:ext cx="8640960" cy="6480720"/>
           </a:xfrm>
         </p:spPr>
@@ -3471,7 +3473,7 @@
           <a:lstStyle/>
           <a:p>
             <a:r>
-              <a:rPr lang="en-GB" sz="4400" dirty="0">
+              <a:rPr lang="en-GB" sz="3600" dirty="0">
                 <a:solidFill>
                   <a:schemeClr val="bg1"/>
                 </a:solidFill>
@@ -3481,7 +3483,7 @@
           </a:p>
           <a:p>
             <a:r>
-              <a:rPr lang="en-GB" sz="4400" dirty="0">
+              <a:rPr lang="en-GB" sz="3600" dirty="0">
                 <a:solidFill>
                   <a:schemeClr val="bg1"/>
                 </a:solidFill>
@@ -3491,7 +3493,7 @@
           </a:p>
           <a:p>
             <a:r>
-              <a:rPr lang="en-GB" sz="4400" dirty="0">
+              <a:rPr lang="en-GB" sz="3600" dirty="0">
                 <a:solidFill>
                   <a:schemeClr val="bg1"/>
                 </a:solidFill>
@@ -3501,7 +3503,7 @@
           </a:p>
           <a:p>
             <a:r>
-              <a:rPr lang="en-GB" sz="4400" dirty="0">
+              <a:rPr lang="en-GB" sz="3600" dirty="0">
                 <a:solidFill>
                   <a:schemeClr val="bg1"/>
                 </a:solidFill>
@@ -3511,7 +3513,7 @@
           </a:p>
           <a:p>
             <a:r>
-              <a:rPr lang="en-GB" sz="4400" dirty="0">
+              <a:rPr lang="en-GB" sz="3600" dirty="0">
                 <a:solidFill>
                   <a:schemeClr val="bg1"/>
                 </a:solidFill>
@@ -3521,7 +3523,7 @@
           </a:p>
           <a:p>
             <a:r>
-              <a:rPr lang="en-GB" sz="4400" dirty="0">
+              <a:rPr lang="en-GB" sz="3600" dirty="0">
                 <a:solidFill>
                   <a:schemeClr val="bg1"/>
                 </a:solidFill>
@@ -3559,7 +3561,7 @@
                   <a:schemeClr val="bg1"/>
                 </a:solidFill>
               </a:rPr>
-              <a:t>2/4</a:t>
+              <a:t>2/6</a:t>
             </a:r>
           </a:p>
         </p:txBody>
@@ -3606,7 +3608,7 @@
         </p:nvSpPr>
         <p:spPr>
           <a:xfrm>
-            <a:off x="323528" y="188640"/>
+            <a:off x="251520" y="692696"/>
             <a:ext cx="8640960" cy="6480720"/>
           </a:xfrm>
         </p:spPr>
@@ -3617,7 +3619,7 @@
           <a:lstStyle/>
           <a:p>
             <a:r>
-              <a:rPr lang="en-GB" sz="4400" dirty="0">
+              <a:rPr lang="en-GB" sz="3600" dirty="0">
                 <a:solidFill>
                   <a:schemeClr val="bg1"/>
                 </a:solidFill>
@@ -3627,7 +3629,7 @@
           </a:p>
           <a:p>
             <a:r>
-              <a:rPr lang="en-GB" sz="4400" dirty="0">
+              <a:rPr lang="en-GB" sz="3600" dirty="0">
                 <a:solidFill>
                   <a:schemeClr val="bg1"/>
                 </a:solidFill>
@@ -3637,7 +3639,7 @@
           </a:p>
           <a:p>
             <a:r>
-              <a:rPr lang="en-GB" sz="4400" dirty="0">
+              <a:rPr lang="en-GB" sz="3600" dirty="0">
                 <a:solidFill>
                   <a:schemeClr val="bg1"/>
                 </a:solidFill>
@@ -3647,7 +3649,7 @@
           </a:p>
           <a:p>
             <a:r>
-              <a:rPr lang="en-GB" sz="4400" dirty="0">
+              <a:rPr lang="en-GB" sz="3600" dirty="0">
                 <a:solidFill>
                   <a:schemeClr val="bg1"/>
                 </a:solidFill>
@@ -3657,7 +3659,7 @@
           </a:p>
           <a:p>
             <a:r>
-              <a:rPr lang="en-GB" sz="4400" dirty="0" err="1">
+              <a:rPr lang="en-GB" sz="3600" dirty="0" err="1">
                 <a:solidFill>
                   <a:schemeClr val="bg1"/>
                 </a:solidFill>
@@ -3665,7 +3667,7 @@
               <a:t>Ev’rything</a:t>
             </a:r>
             <a:r>
-              <a:rPr lang="en-GB" sz="4400" dirty="0">
+              <a:rPr lang="en-GB" sz="3600" dirty="0">
                 <a:solidFill>
                   <a:schemeClr val="bg1"/>
                 </a:solidFill>
@@ -3675,7 +3677,7 @@
           </a:p>
           <a:p>
             <a:r>
-              <a:rPr lang="en-GB" sz="4400" dirty="0">
+              <a:rPr lang="en-GB" sz="3600" dirty="0">
                 <a:solidFill>
                   <a:schemeClr val="bg1"/>
                 </a:solidFill>
@@ -3713,7 +3715,7 @@
                   <a:schemeClr val="bg1"/>
                 </a:solidFill>
               </a:rPr>
-              <a:t>3/4</a:t>
+              <a:t>3/6</a:t>
             </a:r>
           </a:p>
         </p:txBody>
@@ -3736,6 +3738,170 @@
   <p:cSld>
     <p:spTree>
       <p:nvGrpSpPr>
+        <p:cNvPr id="1" name="">
+          <a:extLst>
+            <a:ext uri="{FF2B5EF4-FFF2-40B4-BE49-F238E27FC236}">
+              <a16:creationId xmlns:a16="http://schemas.microsoft.com/office/drawing/2014/main" id="{EA33248E-E25C-59C5-447D-BC26FCD5F52F}"/>
+            </a:ext>
+          </a:extLst>
+        </p:cNvPr>
+        <p:cNvGrpSpPr/>
+        <p:nvPr/>
+      </p:nvGrpSpPr>
+      <p:grpSpPr>
+        <a:xfrm>
+          <a:off x="0" y="0"/>
+          <a:ext cx="0" cy="0"/>
+          <a:chOff x="0" y="0"/>
+          <a:chExt cx="0" cy="0"/>
+        </a:xfrm>
+      </p:grpSpPr>
+      <p:sp>
+        <p:nvSpPr>
+          <p:cNvPr id="3" name="Subtitle 2">
+            <a:extLst>
+              <a:ext uri="{FF2B5EF4-FFF2-40B4-BE49-F238E27FC236}">
+                <a16:creationId xmlns:a16="http://schemas.microsoft.com/office/drawing/2014/main" id="{55C4E605-4400-FDEF-F3AD-596969925622}"/>
+              </a:ext>
+            </a:extLst>
+          </p:cNvPr>
+          <p:cNvSpPr>
+            <a:spLocks noGrp="1"/>
+          </p:cNvSpPr>
+          <p:nvPr>
+            <p:ph type="subTitle" idx="1"/>
+          </p:nvPr>
+        </p:nvSpPr>
+        <p:spPr>
+          <a:xfrm>
+            <a:off x="203118" y="692696"/>
+            <a:ext cx="8640960" cy="6480720"/>
+          </a:xfrm>
+        </p:spPr>
+        <p:txBody>
+          <a:bodyPr>
+            <a:noAutofit/>
+          </a:bodyPr>
+          <a:lstStyle/>
+          <a:p>
+            <a:r>
+              <a:rPr lang="en-GB" sz="3600" dirty="0">
+                <a:solidFill>
+                  <a:schemeClr val="bg1"/>
+                </a:solidFill>
+              </a:rPr>
+              <a:t>Saviour He can move the mountains</a:t>
+            </a:r>
+          </a:p>
+          <a:p>
+            <a:r>
+              <a:rPr lang="en-GB" sz="3600" dirty="0">
+                <a:solidFill>
+                  <a:schemeClr val="bg1"/>
+                </a:solidFill>
+              </a:rPr>
+              <a:t>My God is mighty to save</a:t>
+            </a:r>
+          </a:p>
+          <a:p>
+            <a:r>
+              <a:rPr lang="en-GB" sz="3600" dirty="0">
+                <a:solidFill>
+                  <a:schemeClr val="bg1"/>
+                </a:solidFill>
+              </a:rPr>
+              <a:t>He is mighty to save</a:t>
+            </a:r>
+          </a:p>
+          <a:p>
+            <a:r>
+              <a:rPr lang="en-GB" sz="3600" dirty="0">
+                <a:solidFill>
+                  <a:schemeClr val="bg1"/>
+                </a:solidFill>
+              </a:rPr>
+              <a:t>Forever Author of salvation</a:t>
+            </a:r>
+          </a:p>
+          <a:p>
+            <a:r>
+              <a:rPr lang="en-GB" sz="3600" dirty="0">
+                <a:solidFill>
+                  <a:schemeClr val="bg1"/>
+                </a:solidFill>
+              </a:rPr>
+              <a:t>He rose and conquered the grave</a:t>
+            </a:r>
+          </a:p>
+          <a:p>
+            <a:r>
+              <a:rPr lang="en-GB" sz="3600" dirty="0">
+                <a:solidFill>
+                  <a:schemeClr val="bg1"/>
+                </a:solidFill>
+              </a:rPr>
+              <a:t>Jesus conquered the grave</a:t>
+            </a:r>
+          </a:p>
+        </p:txBody>
+      </p:sp>
+      <p:sp>
+        <p:nvSpPr>
+          <p:cNvPr id="4" name="TextBox 3">
+            <a:extLst>
+              <a:ext uri="{FF2B5EF4-FFF2-40B4-BE49-F238E27FC236}">
+                <a16:creationId xmlns:a16="http://schemas.microsoft.com/office/drawing/2014/main" id="{841C0BDE-5D58-A5FA-AB16-BFCD6C4519EB}"/>
+              </a:ext>
+            </a:extLst>
+          </p:cNvPr>
+          <p:cNvSpPr txBox="1"/>
+          <p:nvPr/>
+        </p:nvSpPr>
+        <p:spPr>
+          <a:xfrm>
+            <a:off x="8529729" y="0"/>
+            <a:ext cx="628698" cy="461665"/>
+          </a:xfrm>
+          <a:prstGeom prst="rect">
+            <a:avLst/>
+          </a:prstGeom>
+          <a:noFill/>
+        </p:spPr>
+        <p:txBody>
+          <a:bodyPr wrap="none" rtlCol="0">
+            <a:spAutoFit/>
+          </a:bodyPr>
+          <a:lstStyle/>
+          <a:p>
+            <a:r>
+              <a:rPr lang="en-GB" sz="2400" b="1" dirty="0">
+                <a:solidFill>
+                  <a:schemeClr val="bg1"/>
+                </a:solidFill>
+              </a:rPr>
+              <a:t>4/6</a:t>
+            </a:r>
+          </a:p>
+        </p:txBody>
+      </p:sp>
+    </p:spTree>
+    <p:extLst>
+      <p:ext uri="{BB962C8B-B14F-4D97-AF65-F5344CB8AC3E}">
+        <p14:creationId xmlns:p14="http://schemas.microsoft.com/office/powerpoint/2010/main" val="2190156556"/>
+      </p:ext>
+    </p:extLst>
+  </p:cSld>
+  <p:clrMapOvr>
+    <a:masterClrMapping/>
+  </p:clrMapOvr>
+</p:sld>
+</file>
+
+<file path=ppt/slides/slide6.xml><?xml version="1.0" encoding="utf-8"?>
+<p:sld xmlns:a="http://schemas.openxmlformats.org/drawingml/2006/main" xmlns:r="http://schemas.openxmlformats.org/officeDocument/2006/relationships" xmlns:p="http://schemas.openxmlformats.org/presentationml/2006/main">
+  <p:cSld>
+    <p:spTree>
+      <p:nvGrpSpPr>
         <p:cNvPr id="1" name=""/>
         <p:cNvGrpSpPr/>
         <p:nvPr/>
@@ -3760,7 +3926,7 @@
         </p:nvSpPr>
         <p:spPr>
           <a:xfrm>
-            <a:off x="323528" y="188640"/>
+            <a:off x="503040" y="764704"/>
             <a:ext cx="8640960" cy="6480720"/>
           </a:xfrm>
         </p:spPr>
@@ -3771,7 +3937,7 @@
           <a:lstStyle/>
           <a:p>
             <a:r>
-              <a:rPr lang="en-GB" sz="4000" dirty="0">
+              <a:rPr lang="en-GB" sz="3600" dirty="0">
                 <a:solidFill>
                   <a:schemeClr val="bg1"/>
                 </a:solidFill>
@@ -3781,7 +3947,7 @@
           </a:p>
           <a:p>
             <a:r>
-              <a:rPr lang="en-GB" sz="4000" dirty="0">
+              <a:rPr lang="en-GB" sz="3600" dirty="0">
                 <a:solidFill>
                   <a:schemeClr val="bg1"/>
                 </a:solidFill>
@@ -3791,7 +3957,7 @@
           </a:p>
           <a:p>
             <a:r>
-              <a:rPr lang="en-GB" sz="4000" dirty="0">
+              <a:rPr lang="en-GB" sz="3600" dirty="0">
                 <a:solidFill>
                   <a:schemeClr val="bg1"/>
                 </a:solidFill>
@@ -3801,7 +3967,7 @@
           </a:p>
           <a:p>
             <a:r>
-              <a:rPr lang="en-GB" sz="4000" dirty="0">
+              <a:rPr lang="en-GB" sz="3600" dirty="0">
                 <a:solidFill>
                   <a:schemeClr val="bg1"/>
                 </a:solidFill>
@@ -3811,7 +3977,7 @@
           </a:p>
           <a:p>
             <a:r>
-              <a:rPr lang="en-GB" sz="4000" dirty="0">
+              <a:rPr lang="en-GB" sz="3600" dirty="0">
                 <a:solidFill>
                   <a:schemeClr val="bg1"/>
                 </a:solidFill>
@@ -3821,7 +3987,7 @@
           </a:p>
           <a:p>
             <a:r>
-              <a:rPr lang="en-GB" sz="4000" dirty="0">
+              <a:rPr lang="en-GB" sz="3600" dirty="0">
                 <a:solidFill>
                   <a:schemeClr val="bg1"/>
                 </a:solidFill>
@@ -3831,7 +3997,7 @@
           </a:p>
           <a:p>
             <a:r>
-              <a:rPr lang="en-GB" sz="4000" dirty="0">
+              <a:rPr lang="en-GB" sz="3600" dirty="0">
                 <a:solidFill>
                   <a:schemeClr val="bg1"/>
                 </a:solidFill>
@@ -3869,7 +4035,7 @@
                   <a:schemeClr val="bg1"/>
                 </a:solidFill>
               </a:rPr>
-              <a:t>4/4</a:t>
+              <a:t>5/6</a:t>
             </a:r>
           </a:p>
         </p:txBody>
@@ -3878,6 +4044,170 @@
     <p:extLst>
       <p:ext uri="{BB962C8B-B14F-4D97-AF65-F5344CB8AC3E}">
         <p14:creationId xmlns:p14="http://schemas.microsoft.com/office/powerpoint/2010/main" val="629827919"/>
+      </p:ext>
+    </p:extLst>
+  </p:cSld>
+  <p:clrMapOvr>
+    <a:masterClrMapping/>
+  </p:clrMapOvr>
+</p:sld>
+</file>
+
+<file path=ppt/slides/slide7.xml><?xml version="1.0" encoding="utf-8"?>
+<p:sld xmlns:a="http://schemas.openxmlformats.org/drawingml/2006/main" xmlns:r="http://schemas.openxmlformats.org/officeDocument/2006/relationships" xmlns:p="http://schemas.openxmlformats.org/presentationml/2006/main">
+  <p:cSld>
+    <p:spTree>
+      <p:nvGrpSpPr>
+        <p:cNvPr id="1" name="">
+          <a:extLst>
+            <a:ext uri="{FF2B5EF4-FFF2-40B4-BE49-F238E27FC236}">
+              <a16:creationId xmlns:a16="http://schemas.microsoft.com/office/drawing/2014/main" id="{8C9711A1-B24D-6AAB-0B18-E25A29D3DB96}"/>
+            </a:ext>
+          </a:extLst>
+        </p:cNvPr>
+        <p:cNvGrpSpPr/>
+        <p:nvPr/>
+      </p:nvGrpSpPr>
+      <p:grpSpPr>
+        <a:xfrm>
+          <a:off x="0" y="0"/>
+          <a:ext cx="0" cy="0"/>
+          <a:chOff x="0" y="0"/>
+          <a:chExt cx="0" cy="0"/>
+        </a:xfrm>
+      </p:grpSpPr>
+      <p:sp>
+        <p:nvSpPr>
+          <p:cNvPr id="3" name="Subtitle 2">
+            <a:extLst>
+              <a:ext uri="{FF2B5EF4-FFF2-40B4-BE49-F238E27FC236}">
+                <a16:creationId xmlns:a16="http://schemas.microsoft.com/office/drawing/2014/main" id="{54087BAF-321B-AA8C-D2FD-330CA73B67D3}"/>
+              </a:ext>
+            </a:extLst>
+          </p:cNvPr>
+          <p:cNvSpPr>
+            <a:spLocks noGrp="1"/>
+          </p:cNvSpPr>
+          <p:nvPr>
+            <p:ph type="subTitle" idx="1"/>
+          </p:nvPr>
+        </p:nvSpPr>
+        <p:spPr>
+          <a:xfrm>
+            <a:off x="203118" y="692696"/>
+            <a:ext cx="8640960" cy="6480720"/>
+          </a:xfrm>
+        </p:spPr>
+        <p:txBody>
+          <a:bodyPr>
+            <a:noAutofit/>
+          </a:bodyPr>
+          <a:lstStyle/>
+          <a:p>
+            <a:r>
+              <a:rPr lang="en-GB" sz="3600" dirty="0">
+                <a:solidFill>
+                  <a:schemeClr val="bg1"/>
+                </a:solidFill>
+              </a:rPr>
+              <a:t>Saviour He can move the mountains</a:t>
+            </a:r>
+          </a:p>
+          <a:p>
+            <a:r>
+              <a:rPr lang="en-GB" sz="3600" dirty="0">
+                <a:solidFill>
+                  <a:schemeClr val="bg1"/>
+                </a:solidFill>
+              </a:rPr>
+              <a:t>My God is mighty to save</a:t>
+            </a:r>
+          </a:p>
+          <a:p>
+            <a:r>
+              <a:rPr lang="en-GB" sz="3600" dirty="0">
+                <a:solidFill>
+                  <a:schemeClr val="bg1"/>
+                </a:solidFill>
+              </a:rPr>
+              <a:t>He is mighty to save</a:t>
+            </a:r>
+          </a:p>
+          <a:p>
+            <a:r>
+              <a:rPr lang="en-GB" sz="3600" dirty="0">
+                <a:solidFill>
+                  <a:schemeClr val="bg1"/>
+                </a:solidFill>
+              </a:rPr>
+              <a:t>Forever Author of salvation</a:t>
+            </a:r>
+          </a:p>
+          <a:p>
+            <a:r>
+              <a:rPr lang="en-GB" sz="3600" dirty="0">
+                <a:solidFill>
+                  <a:schemeClr val="bg1"/>
+                </a:solidFill>
+              </a:rPr>
+              <a:t>He rose and conquered the grave</a:t>
+            </a:r>
+          </a:p>
+          <a:p>
+            <a:r>
+              <a:rPr lang="en-GB" sz="3600" dirty="0">
+                <a:solidFill>
+                  <a:schemeClr val="bg1"/>
+                </a:solidFill>
+              </a:rPr>
+              <a:t>Jesus conquered the grave</a:t>
+            </a:r>
+          </a:p>
+        </p:txBody>
+      </p:sp>
+      <p:sp>
+        <p:nvSpPr>
+          <p:cNvPr id="4" name="TextBox 3">
+            <a:extLst>
+              <a:ext uri="{FF2B5EF4-FFF2-40B4-BE49-F238E27FC236}">
+                <a16:creationId xmlns:a16="http://schemas.microsoft.com/office/drawing/2014/main" id="{17E6BCF8-FB1E-0404-890C-8071A58DBC86}"/>
+              </a:ext>
+            </a:extLst>
+          </p:cNvPr>
+          <p:cNvSpPr txBox="1"/>
+          <p:nvPr/>
+        </p:nvSpPr>
+        <p:spPr>
+          <a:xfrm>
+            <a:off x="8529729" y="0"/>
+            <a:ext cx="628698" cy="461665"/>
+          </a:xfrm>
+          <a:prstGeom prst="rect">
+            <a:avLst/>
+          </a:prstGeom>
+          <a:noFill/>
+        </p:spPr>
+        <p:txBody>
+          <a:bodyPr wrap="none" rtlCol="0">
+            <a:spAutoFit/>
+          </a:bodyPr>
+          <a:lstStyle/>
+          <a:p>
+            <a:r>
+              <a:rPr lang="en-GB" sz="2400" b="1" dirty="0">
+                <a:solidFill>
+                  <a:schemeClr val="bg1"/>
+                </a:solidFill>
+              </a:rPr>
+              <a:t>6/6</a:t>
+            </a:r>
+          </a:p>
+        </p:txBody>
+      </p:sp>
+    </p:spTree>
+    <p:extLst>
+      <p:ext uri="{BB962C8B-B14F-4D97-AF65-F5344CB8AC3E}">
+        <p14:creationId xmlns:p14="http://schemas.microsoft.com/office/powerpoint/2010/main" val="3175906810"/>
       </p:ext>
     </p:extLst>
   </p:cSld>
